--- a/translationRecorder_Starting_a_New_Project v1.2.4.pptx
+++ b/translationRecorder_Starting_a_New_Project v1.2.4.pptx
@@ -5,10 +5,10 @@
     <p:sldMasterId id="2147483648" r:id="rId1"/>
   </p:sldMasterIdLst>
   <p:notesMasterIdLst>
-    <p:notesMasterId r:id="rId17"/>
+    <p:notesMasterId r:id="rId18"/>
   </p:notesMasterIdLst>
   <p:sldIdLst>
-    <p:sldId id="256" r:id="rId2"/>
+    <p:sldId id="297" r:id="rId2"/>
     <p:sldId id="257" r:id="rId3"/>
     <p:sldId id="259" r:id="rId4"/>
     <p:sldId id="283" r:id="rId5"/>
@@ -22,7 +22,8 @@
     <p:sldId id="292" r:id="rId13"/>
     <p:sldId id="293" r:id="rId14"/>
     <p:sldId id="294" r:id="rId15"/>
-    <p:sldId id="295" r:id="rId16"/>
+    <p:sldId id="296" r:id="rId16"/>
+    <p:sldId id="295" r:id="rId17"/>
   </p:sldIdLst>
   <p:sldSz cx="12192000" cy="6858000"/>
   <p:notesSz cx="6858000" cy="9144000"/>
@@ -129,6 +130,10 @@
 </p:presentation>
 </file>
 
+<file path=ppt/revisionInfo.xml><?xml version="1.0" encoding="utf-8"?>
+<p1510:revInfo xmlns:a="http://schemas.openxmlformats.org/drawingml/2006/main" xmlns:r="http://schemas.openxmlformats.org/officeDocument/2006/relationships" xmlns:p1510="http://schemas.microsoft.com/office/powerpoint/2015/10/main"/>
+</file>
+
 <file path=ppt/notesMasters/notesMaster1.xml><?xml version="1.0" encoding="utf-8"?>
 <p:notesMaster xmlns:a="http://schemas.openxmlformats.org/drawingml/2006/main" xmlns:r="http://schemas.openxmlformats.org/officeDocument/2006/relationships" xmlns:p="http://schemas.openxmlformats.org/presentationml/2006/main">
   <p:cSld>
@@ -211,7 +216,7 @@
           <a:p>
             <a:fld id="{AB729882-EB45-4CFB-B3F6-9455FC8957E4}" type="datetimeFigureOut">
               <a:rPr lang="en-US" smtClean="0"/>
-              <a:t>4/13/2018</a:t>
+              <a:t>4/18/2018</a:t>
             </a:fld>
             <a:endParaRPr lang="en-US"/>
           </a:p>
@@ -522,6 +527,1269 @@
           <a:bodyPr/>
           <a:lstStyle/>
           <a:p>
+            <a:endParaRPr lang="en-US"/>
+          </a:p>
+        </p:txBody>
+      </p:sp>
+      <p:sp>
+        <p:nvSpPr>
+          <p:cNvPr id="4" name="Slide Number Placeholder 3"/>
+          <p:cNvSpPr>
+            <a:spLocks noGrp="1"/>
+          </p:cNvSpPr>
+          <p:nvPr>
+            <p:ph type="sldNum" sz="quarter" idx="10"/>
+          </p:nvPr>
+        </p:nvSpPr>
+        <p:spPr/>
+        <p:txBody>
+          <a:bodyPr/>
+          <a:lstStyle/>
+          <a:p>
+            <a:fld id="{3DA1721D-F19C-431F-BB30-6E8A6C6022BC}" type="slidenum">
+              <a:rPr lang="en-US" smtClean="0"/>
+              <a:t>1</a:t>
+            </a:fld>
+            <a:endParaRPr lang="en-US"/>
+          </a:p>
+        </p:txBody>
+      </p:sp>
+    </p:spTree>
+    <p:extLst>
+      <p:ext uri="{BB962C8B-B14F-4D97-AF65-F5344CB8AC3E}">
+        <p14:creationId xmlns:p14="http://schemas.microsoft.com/office/powerpoint/2010/main" val="1657830634"/>
+      </p:ext>
+    </p:extLst>
+  </p:cSld>
+  <p:clrMapOvr>
+    <a:masterClrMapping/>
+  </p:clrMapOvr>
+</p:notes>
+</file>
+
+<file path=ppt/notesSlides/notesSlide10.xml><?xml version="1.0" encoding="utf-8"?>
+<p:notes xmlns:a="http://schemas.openxmlformats.org/drawingml/2006/main" xmlns:r="http://schemas.openxmlformats.org/officeDocument/2006/relationships" xmlns:p="http://schemas.openxmlformats.org/presentationml/2006/main">
+  <p:cSld>
+    <p:spTree>
+      <p:nvGrpSpPr>
+        <p:cNvPr id="1" name=""/>
+        <p:cNvGrpSpPr/>
+        <p:nvPr/>
+      </p:nvGrpSpPr>
+      <p:grpSpPr>
+        <a:xfrm>
+          <a:off x="0" y="0"/>
+          <a:ext cx="0" cy="0"/>
+          <a:chOff x="0" y="0"/>
+          <a:chExt cx="0" cy="0"/>
+        </a:xfrm>
+      </p:grpSpPr>
+      <p:sp>
+        <p:nvSpPr>
+          <p:cNvPr id="2" name="Slide Image Placeholder 1"/>
+          <p:cNvSpPr>
+            <a:spLocks noGrp="1" noRot="1" noChangeAspect="1"/>
+          </p:cNvSpPr>
+          <p:nvPr>
+            <p:ph type="sldImg"/>
+          </p:nvPr>
+        </p:nvSpPr>
+        <p:spPr/>
+      </p:sp>
+      <p:sp>
+        <p:nvSpPr>
+          <p:cNvPr id="3" name="Notes Placeholder 2"/>
+          <p:cNvSpPr>
+            <a:spLocks noGrp="1"/>
+          </p:cNvSpPr>
+          <p:nvPr>
+            <p:ph type="body" idx="1"/>
+          </p:nvPr>
+        </p:nvSpPr>
+        <p:spPr/>
+        <p:txBody>
+          <a:bodyPr/>
+          <a:lstStyle/>
+          <a:p>
+            <a:endParaRPr lang="en-US"/>
+          </a:p>
+        </p:txBody>
+      </p:sp>
+      <p:sp>
+        <p:nvSpPr>
+          <p:cNvPr id="4" name="Slide Number Placeholder 3"/>
+          <p:cNvSpPr>
+            <a:spLocks noGrp="1"/>
+          </p:cNvSpPr>
+          <p:nvPr>
+            <p:ph type="sldNum" sz="quarter" idx="10"/>
+          </p:nvPr>
+        </p:nvSpPr>
+        <p:spPr/>
+        <p:txBody>
+          <a:bodyPr/>
+          <a:lstStyle/>
+          <a:p>
+            <a:fld id="{3DA1721D-F19C-431F-BB30-6E8A6C6022BC}" type="slidenum">
+              <a:rPr lang="en-US" smtClean="0"/>
+              <a:t>10</a:t>
+            </a:fld>
+            <a:endParaRPr lang="en-US"/>
+          </a:p>
+        </p:txBody>
+      </p:sp>
+    </p:spTree>
+    <p:extLst>
+      <p:ext uri="{BB962C8B-B14F-4D97-AF65-F5344CB8AC3E}">
+        <p14:creationId xmlns:p14="http://schemas.microsoft.com/office/powerpoint/2010/main" val="2612018229"/>
+      </p:ext>
+    </p:extLst>
+  </p:cSld>
+  <p:clrMapOvr>
+    <a:masterClrMapping/>
+  </p:clrMapOvr>
+</p:notes>
+</file>
+
+<file path=ppt/notesSlides/notesSlide11.xml><?xml version="1.0" encoding="utf-8"?>
+<p:notes xmlns:a="http://schemas.openxmlformats.org/drawingml/2006/main" xmlns:r="http://schemas.openxmlformats.org/officeDocument/2006/relationships" xmlns:p="http://schemas.openxmlformats.org/presentationml/2006/main">
+  <p:cSld>
+    <p:spTree>
+      <p:nvGrpSpPr>
+        <p:cNvPr id="1" name=""/>
+        <p:cNvGrpSpPr/>
+        <p:nvPr/>
+      </p:nvGrpSpPr>
+      <p:grpSpPr>
+        <a:xfrm>
+          <a:off x="0" y="0"/>
+          <a:ext cx="0" cy="0"/>
+          <a:chOff x="0" y="0"/>
+          <a:chExt cx="0" cy="0"/>
+        </a:xfrm>
+      </p:grpSpPr>
+      <p:sp>
+        <p:nvSpPr>
+          <p:cNvPr id="2" name="Slide Image Placeholder 1"/>
+          <p:cNvSpPr>
+            <a:spLocks noGrp="1" noRot="1" noChangeAspect="1"/>
+          </p:cNvSpPr>
+          <p:nvPr>
+            <p:ph type="sldImg"/>
+          </p:nvPr>
+        </p:nvSpPr>
+        <p:spPr/>
+      </p:sp>
+      <p:sp>
+        <p:nvSpPr>
+          <p:cNvPr id="3" name="Notes Placeholder 2"/>
+          <p:cNvSpPr>
+            <a:spLocks noGrp="1"/>
+          </p:cNvSpPr>
+          <p:nvPr>
+            <p:ph type="body" idx="1"/>
+          </p:nvPr>
+        </p:nvSpPr>
+        <p:spPr/>
+        <p:txBody>
+          <a:bodyPr/>
+          <a:lstStyle/>
+          <a:p>
+            <a:endParaRPr lang="en-US"/>
+          </a:p>
+        </p:txBody>
+      </p:sp>
+      <p:sp>
+        <p:nvSpPr>
+          <p:cNvPr id="4" name="Slide Number Placeholder 3"/>
+          <p:cNvSpPr>
+            <a:spLocks noGrp="1"/>
+          </p:cNvSpPr>
+          <p:nvPr>
+            <p:ph type="sldNum" sz="quarter" idx="10"/>
+          </p:nvPr>
+        </p:nvSpPr>
+        <p:spPr/>
+        <p:txBody>
+          <a:bodyPr/>
+          <a:lstStyle/>
+          <a:p>
+            <a:fld id="{3DA1721D-F19C-431F-BB30-6E8A6C6022BC}" type="slidenum">
+              <a:rPr lang="en-US" smtClean="0"/>
+              <a:t>11</a:t>
+            </a:fld>
+            <a:endParaRPr lang="en-US"/>
+          </a:p>
+        </p:txBody>
+      </p:sp>
+    </p:spTree>
+    <p:extLst>
+      <p:ext uri="{BB962C8B-B14F-4D97-AF65-F5344CB8AC3E}">
+        <p14:creationId xmlns:p14="http://schemas.microsoft.com/office/powerpoint/2010/main" val="2071560374"/>
+      </p:ext>
+    </p:extLst>
+  </p:cSld>
+  <p:clrMapOvr>
+    <a:masterClrMapping/>
+  </p:clrMapOvr>
+</p:notes>
+</file>
+
+<file path=ppt/notesSlides/notesSlide12.xml><?xml version="1.0" encoding="utf-8"?>
+<p:notes xmlns:a="http://schemas.openxmlformats.org/drawingml/2006/main" xmlns:r="http://schemas.openxmlformats.org/officeDocument/2006/relationships" xmlns:p="http://schemas.openxmlformats.org/presentationml/2006/main">
+  <p:cSld>
+    <p:spTree>
+      <p:nvGrpSpPr>
+        <p:cNvPr id="1" name=""/>
+        <p:cNvGrpSpPr/>
+        <p:nvPr/>
+      </p:nvGrpSpPr>
+      <p:grpSpPr>
+        <a:xfrm>
+          <a:off x="0" y="0"/>
+          <a:ext cx="0" cy="0"/>
+          <a:chOff x="0" y="0"/>
+          <a:chExt cx="0" cy="0"/>
+        </a:xfrm>
+      </p:grpSpPr>
+      <p:sp>
+        <p:nvSpPr>
+          <p:cNvPr id="2" name="Slide Image Placeholder 1"/>
+          <p:cNvSpPr>
+            <a:spLocks noGrp="1" noRot="1" noChangeAspect="1"/>
+          </p:cNvSpPr>
+          <p:nvPr>
+            <p:ph type="sldImg"/>
+          </p:nvPr>
+        </p:nvSpPr>
+        <p:spPr/>
+      </p:sp>
+      <p:sp>
+        <p:nvSpPr>
+          <p:cNvPr id="3" name="Notes Placeholder 2"/>
+          <p:cNvSpPr>
+            <a:spLocks noGrp="1"/>
+          </p:cNvSpPr>
+          <p:nvPr>
+            <p:ph type="body" idx="1"/>
+          </p:nvPr>
+        </p:nvSpPr>
+        <p:spPr/>
+        <p:txBody>
+          <a:bodyPr/>
+          <a:lstStyle/>
+          <a:p>
+            <a:endParaRPr lang="en-US"/>
+          </a:p>
+        </p:txBody>
+      </p:sp>
+      <p:sp>
+        <p:nvSpPr>
+          <p:cNvPr id="4" name="Slide Number Placeholder 3"/>
+          <p:cNvSpPr>
+            <a:spLocks noGrp="1"/>
+          </p:cNvSpPr>
+          <p:nvPr>
+            <p:ph type="sldNum" sz="quarter" idx="10"/>
+          </p:nvPr>
+        </p:nvSpPr>
+        <p:spPr/>
+        <p:txBody>
+          <a:bodyPr/>
+          <a:lstStyle/>
+          <a:p>
+            <a:fld id="{3DA1721D-F19C-431F-BB30-6E8A6C6022BC}" type="slidenum">
+              <a:rPr lang="en-US" smtClean="0"/>
+              <a:t>12</a:t>
+            </a:fld>
+            <a:endParaRPr lang="en-US"/>
+          </a:p>
+        </p:txBody>
+      </p:sp>
+    </p:spTree>
+    <p:extLst>
+      <p:ext uri="{BB962C8B-B14F-4D97-AF65-F5344CB8AC3E}">
+        <p14:creationId xmlns:p14="http://schemas.microsoft.com/office/powerpoint/2010/main" val="1670216397"/>
+      </p:ext>
+    </p:extLst>
+  </p:cSld>
+  <p:clrMapOvr>
+    <a:masterClrMapping/>
+  </p:clrMapOvr>
+</p:notes>
+</file>
+
+<file path=ppt/notesSlides/notesSlide13.xml><?xml version="1.0" encoding="utf-8"?>
+<p:notes xmlns:a="http://schemas.openxmlformats.org/drawingml/2006/main" xmlns:r="http://schemas.openxmlformats.org/officeDocument/2006/relationships" xmlns:p="http://schemas.openxmlformats.org/presentationml/2006/main">
+  <p:cSld>
+    <p:spTree>
+      <p:nvGrpSpPr>
+        <p:cNvPr id="1" name=""/>
+        <p:cNvGrpSpPr/>
+        <p:nvPr/>
+      </p:nvGrpSpPr>
+      <p:grpSpPr>
+        <a:xfrm>
+          <a:off x="0" y="0"/>
+          <a:ext cx="0" cy="0"/>
+          <a:chOff x="0" y="0"/>
+          <a:chExt cx="0" cy="0"/>
+        </a:xfrm>
+      </p:grpSpPr>
+      <p:sp>
+        <p:nvSpPr>
+          <p:cNvPr id="2" name="Slide Image Placeholder 1"/>
+          <p:cNvSpPr>
+            <a:spLocks noGrp="1" noRot="1" noChangeAspect="1"/>
+          </p:cNvSpPr>
+          <p:nvPr>
+            <p:ph type="sldImg"/>
+          </p:nvPr>
+        </p:nvSpPr>
+        <p:spPr/>
+      </p:sp>
+      <p:sp>
+        <p:nvSpPr>
+          <p:cNvPr id="3" name="Notes Placeholder 2"/>
+          <p:cNvSpPr>
+            <a:spLocks noGrp="1"/>
+          </p:cNvSpPr>
+          <p:nvPr>
+            <p:ph type="body" idx="1"/>
+          </p:nvPr>
+        </p:nvSpPr>
+        <p:spPr/>
+        <p:txBody>
+          <a:bodyPr/>
+          <a:lstStyle/>
+          <a:p>
+            <a:endParaRPr lang="en-US"/>
+          </a:p>
+        </p:txBody>
+      </p:sp>
+      <p:sp>
+        <p:nvSpPr>
+          <p:cNvPr id="4" name="Slide Number Placeholder 3"/>
+          <p:cNvSpPr>
+            <a:spLocks noGrp="1"/>
+          </p:cNvSpPr>
+          <p:nvPr>
+            <p:ph type="sldNum" sz="quarter" idx="10"/>
+          </p:nvPr>
+        </p:nvSpPr>
+        <p:spPr/>
+        <p:txBody>
+          <a:bodyPr/>
+          <a:lstStyle/>
+          <a:p>
+            <a:fld id="{3DA1721D-F19C-431F-BB30-6E8A6C6022BC}" type="slidenum">
+              <a:rPr lang="en-US" smtClean="0"/>
+              <a:t>13</a:t>
+            </a:fld>
+            <a:endParaRPr lang="en-US"/>
+          </a:p>
+        </p:txBody>
+      </p:sp>
+    </p:spTree>
+    <p:extLst>
+      <p:ext uri="{BB962C8B-B14F-4D97-AF65-F5344CB8AC3E}">
+        <p14:creationId xmlns:p14="http://schemas.microsoft.com/office/powerpoint/2010/main" val="1199068946"/>
+      </p:ext>
+    </p:extLst>
+  </p:cSld>
+  <p:clrMapOvr>
+    <a:masterClrMapping/>
+  </p:clrMapOvr>
+</p:notes>
+</file>
+
+<file path=ppt/notesSlides/notesSlide14.xml><?xml version="1.0" encoding="utf-8"?>
+<p:notes xmlns:a="http://schemas.openxmlformats.org/drawingml/2006/main" xmlns:r="http://schemas.openxmlformats.org/officeDocument/2006/relationships" xmlns:p="http://schemas.openxmlformats.org/presentationml/2006/main">
+  <p:cSld>
+    <p:spTree>
+      <p:nvGrpSpPr>
+        <p:cNvPr id="1" name=""/>
+        <p:cNvGrpSpPr/>
+        <p:nvPr/>
+      </p:nvGrpSpPr>
+      <p:grpSpPr>
+        <a:xfrm>
+          <a:off x="0" y="0"/>
+          <a:ext cx="0" cy="0"/>
+          <a:chOff x="0" y="0"/>
+          <a:chExt cx="0" cy="0"/>
+        </a:xfrm>
+      </p:grpSpPr>
+      <p:sp>
+        <p:nvSpPr>
+          <p:cNvPr id="2" name="Slide Image Placeholder 1"/>
+          <p:cNvSpPr>
+            <a:spLocks noGrp="1" noRot="1" noChangeAspect="1"/>
+          </p:cNvSpPr>
+          <p:nvPr>
+            <p:ph type="sldImg"/>
+          </p:nvPr>
+        </p:nvSpPr>
+        <p:spPr/>
+      </p:sp>
+      <p:sp>
+        <p:nvSpPr>
+          <p:cNvPr id="3" name="Notes Placeholder 2"/>
+          <p:cNvSpPr>
+            <a:spLocks noGrp="1"/>
+          </p:cNvSpPr>
+          <p:nvPr>
+            <p:ph type="body" idx="1"/>
+          </p:nvPr>
+        </p:nvSpPr>
+        <p:spPr/>
+        <p:txBody>
+          <a:bodyPr/>
+          <a:lstStyle/>
+          <a:p>
+            <a:r>
+              <a:rPr lang="en-US" dirty="0"/>
+              <a:t>Do not use navigation icons on this slide. Click anywhere on the screen.</a:t>
+            </a:r>
+          </a:p>
+        </p:txBody>
+      </p:sp>
+      <p:sp>
+        <p:nvSpPr>
+          <p:cNvPr id="4" name="Slide Number Placeholder 3"/>
+          <p:cNvSpPr>
+            <a:spLocks noGrp="1"/>
+          </p:cNvSpPr>
+          <p:nvPr>
+            <p:ph type="sldNum" sz="quarter" idx="10"/>
+          </p:nvPr>
+        </p:nvSpPr>
+        <p:spPr/>
+        <p:txBody>
+          <a:bodyPr/>
+          <a:lstStyle/>
+          <a:p>
+            <a:fld id="{3DA1721D-F19C-431F-BB30-6E8A6C6022BC}" type="slidenum">
+              <a:rPr lang="en-US" smtClean="0"/>
+              <a:t>14</a:t>
+            </a:fld>
+            <a:endParaRPr lang="en-US"/>
+          </a:p>
+        </p:txBody>
+      </p:sp>
+    </p:spTree>
+    <p:extLst>
+      <p:ext uri="{BB962C8B-B14F-4D97-AF65-F5344CB8AC3E}">
+        <p14:creationId xmlns:p14="http://schemas.microsoft.com/office/powerpoint/2010/main" val="3122684077"/>
+      </p:ext>
+    </p:extLst>
+  </p:cSld>
+  <p:clrMapOvr>
+    <a:masterClrMapping/>
+  </p:clrMapOvr>
+</p:notes>
+</file>
+
+<file path=ppt/notesSlides/notesSlide15.xml><?xml version="1.0" encoding="utf-8"?>
+<p:notes xmlns:a="http://schemas.openxmlformats.org/drawingml/2006/main" xmlns:r="http://schemas.openxmlformats.org/officeDocument/2006/relationships" xmlns:p="http://schemas.openxmlformats.org/presentationml/2006/main">
+  <p:cSld>
+    <p:spTree>
+      <p:nvGrpSpPr>
+        <p:cNvPr id="1" name=""/>
+        <p:cNvGrpSpPr/>
+        <p:nvPr/>
+      </p:nvGrpSpPr>
+      <p:grpSpPr>
+        <a:xfrm>
+          <a:off x="0" y="0"/>
+          <a:ext cx="0" cy="0"/>
+          <a:chOff x="0" y="0"/>
+          <a:chExt cx="0" cy="0"/>
+        </a:xfrm>
+      </p:grpSpPr>
+      <p:sp>
+        <p:nvSpPr>
+          <p:cNvPr id="2" name="Slide Image Placeholder 1"/>
+          <p:cNvSpPr>
+            <a:spLocks noGrp="1" noRot="1" noChangeAspect="1"/>
+          </p:cNvSpPr>
+          <p:nvPr>
+            <p:ph type="sldImg"/>
+          </p:nvPr>
+        </p:nvSpPr>
+        <p:spPr/>
+      </p:sp>
+      <p:sp>
+        <p:nvSpPr>
+          <p:cNvPr id="3" name="Notes Placeholder 2"/>
+          <p:cNvSpPr>
+            <a:spLocks noGrp="1"/>
+          </p:cNvSpPr>
+          <p:nvPr>
+            <p:ph type="body" idx="1"/>
+          </p:nvPr>
+        </p:nvSpPr>
+        <p:spPr/>
+        <p:txBody>
+          <a:bodyPr/>
+          <a:lstStyle/>
+          <a:p>
+            <a:endParaRPr lang="en-US" dirty="0"/>
+          </a:p>
+        </p:txBody>
+      </p:sp>
+      <p:sp>
+        <p:nvSpPr>
+          <p:cNvPr id="4" name="Slide Number Placeholder 3"/>
+          <p:cNvSpPr>
+            <a:spLocks noGrp="1"/>
+          </p:cNvSpPr>
+          <p:nvPr>
+            <p:ph type="sldNum" sz="quarter" idx="10"/>
+          </p:nvPr>
+        </p:nvSpPr>
+        <p:spPr/>
+        <p:txBody>
+          <a:bodyPr/>
+          <a:lstStyle/>
+          <a:p>
+            <a:fld id="{3DA1721D-F19C-431F-BB30-6E8A6C6022BC}" type="slidenum">
+              <a:rPr lang="en-US" smtClean="0"/>
+              <a:t>15</a:t>
+            </a:fld>
+            <a:endParaRPr lang="en-US"/>
+          </a:p>
+        </p:txBody>
+      </p:sp>
+    </p:spTree>
+    <p:extLst>
+      <p:ext uri="{BB962C8B-B14F-4D97-AF65-F5344CB8AC3E}">
+        <p14:creationId xmlns:p14="http://schemas.microsoft.com/office/powerpoint/2010/main" val="3014980084"/>
+      </p:ext>
+    </p:extLst>
+  </p:cSld>
+  <p:clrMapOvr>
+    <a:masterClrMapping/>
+  </p:clrMapOvr>
+</p:notes>
+</file>
+
+<file path=ppt/notesSlides/notesSlide16.xml><?xml version="1.0" encoding="utf-8"?>
+<p:notes xmlns:a="http://schemas.openxmlformats.org/drawingml/2006/main" xmlns:r="http://schemas.openxmlformats.org/officeDocument/2006/relationships" xmlns:p="http://schemas.openxmlformats.org/presentationml/2006/main">
+  <p:cSld>
+    <p:spTree>
+      <p:nvGrpSpPr>
+        <p:cNvPr id="1" name=""/>
+        <p:cNvGrpSpPr/>
+        <p:nvPr/>
+      </p:nvGrpSpPr>
+      <p:grpSpPr>
+        <a:xfrm>
+          <a:off x="0" y="0"/>
+          <a:ext cx="0" cy="0"/>
+          <a:chOff x="0" y="0"/>
+          <a:chExt cx="0" cy="0"/>
+        </a:xfrm>
+      </p:grpSpPr>
+      <p:sp>
+        <p:nvSpPr>
+          <p:cNvPr id="2" name="Slide Image Placeholder 1"/>
+          <p:cNvSpPr>
+            <a:spLocks noGrp="1" noRot="1" noChangeAspect="1"/>
+          </p:cNvSpPr>
+          <p:nvPr>
+            <p:ph type="sldImg"/>
+          </p:nvPr>
+        </p:nvSpPr>
+        <p:spPr/>
+      </p:sp>
+      <p:sp>
+        <p:nvSpPr>
+          <p:cNvPr id="3" name="Notes Placeholder 2"/>
+          <p:cNvSpPr>
+            <a:spLocks noGrp="1"/>
+          </p:cNvSpPr>
+          <p:nvPr>
+            <p:ph type="body" idx="1"/>
+          </p:nvPr>
+        </p:nvSpPr>
+        <p:spPr/>
+        <p:txBody>
+          <a:bodyPr/>
+          <a:lstStyle/>
+          <a:p>
+            <a:endParaRPr lang="en-US"/>
+          </a:p>
+        </p:txBody>
+      </p:sp>
+      <p:sp>
+        <p:nvSpPr>
+          <p:cNvPr id="4" name="Slide Number Placeholder 3"/>
+          <p:cNvSpPr>
+            <a:spLocks noGrp="1"/>
+          </p:cNvSpPr>
+          <p:nvPr>
+            <p:ph type="sldNum" sz="quarter" idx="10"/>
+          </p:nvPr>
+        </p:nvSpPr>
+        <p:spPr/>
+        <p:txBody>
+          <a:bodyPr/>
+          <a:lstStyle/>
+          <a:p>
+            <a:fld id="{3DA1721D-F19C-431F-BB30-6E8A6C6022BC}" type="slidenum">
+              <a:rPr lang="en-US" smtClean="0"/>
+              <a:t>16</a:t>
+            </a:fld>
+            <a:endParaRPr lang="en-US"/>
+          </a:p>
+        </p:txBody>
+      </p:sp>
+    </p:spTree>
+    <p:extLst>
+      <p:ext uri="{BB962C8B-B14F-4D97-AF65-F5344CB8AC3E}">
+        <p14:creationId xmlns:p14="http://schemas.microsoft.com/office/powerpoint/2010/main" val="2389587976"/>
+      </p:ext>
+    </p:extLst>
+  </p:cSld>
+  <p:clrMapOvr>
+    <a:masterClrMapping/>
+  </p:clrMapOvr>
+</p:notes>
+</file>
+
+<file path=ppt/notesSlides/notesSlide2.xml><?xml version="1.0" encoding="utf-8"?>
+<p:notes xmlns:a="http://schemas.openxmlformats.org/drawingml/2006/main" xmlns:r="http://schemas.openxmlformats.org/officeDocument/2006/relationships" xmlns:p="http://schemas.openxmlformats.org/presentationml/2006/main">
+  <p:cSld>
+    <p:spTree>
+      <p:nvGrpSpPr>
+        <p:cNvPr id="1" name=""/>
+        <p:cNvGrpSpPr/>
+        <p:nvPr/>
+      </p:nvGrpSpPr>
+      <p:grpSpPr>
+        <a:xfrm>
+          <a:off x="0" y="0"/>
+          <a:ext cx="0" cy="0"/>
+          <a:chOff x="0" y="0"/>
+          <a:chExt cx="0" cy="0"/>
+        </a:xfrm>
+      </p:grpSpPr>
+      <p:sp>
+        <p:nvSpPr>
+          <p:cNvPr id="2" name="Slide Image Placeholder 1"/>
+          <p:cNvSpPr>
+            <a:spLocks noGrp="1" noRot="1" noChangeAspect="1"/>
+          </p:cNvSpPr>
+          <p:nvPr>
+            <p:ph type="sldImg"/>
+          </p:nvPr>
+        </p:nvSpPr>
+        <p:spPr/>
+      </p:sp>
+      <p:sp>
+        <p:nvSpPr>
+          <p:cNvPr id="3" name="Notes Placeholder 2"/>
+          <p:cNvSpPr>
+            <a:spLocks noGrp="1"/>
+          </p:cNvSpPr>
+          <p:nvPr>
+            <p:ph type="body" idx="1"/>
+          </p:nvPr>
+        </p:nvSpPr>
+        <p:spPr/>
+        <p:txBody>
+          <a:bodyPr/>
+          <a:lstStyle/>
+          <a:p>
+            <a:endParaRPr lang="en-US"/>
+          </a:p>
+        </p:txBody>
+      </p:sp>
+      <p:sp>
+        <p:nvSpPr>
+          <p:cNvPr id="4" name="Slide Number Placeholder 3"/>
+          <p:cNvSpPr>
+            <a:spLocks noGrp="1"/>
+          </p:cNvSpPr>
+          <p:nvPr>
+            <p:ph type="sldNum" sz="quarter" idx="10"/>
+          </p:nvPr>
+        </p:nvSpPr>
+        <p:spPr/>
+        <p:txBody>
+          <a:bodyPr/>
+          <a:lstStyle/>
+          <a:p>
+            <a:fld id="{3DA1721D-F19C-431F-BB30-6E8A6C6022BC}" type="slidenum">
+              <a:rPr lang="en-US" smtClean="0"/>
+              <a:t>2</a:t>
+            </a:fld>
+            <a:endParaRPr lang="en-US"/>
+          </a:p>
+        </p:txBody>
+      </p:sp>
+    </p:spTree>
+    <p:extLst>
+      <p:ext uri="{BB962C8B-B14F-4D97-AF65-F5344CB8AC3E}">
+        <p14:creationId xmlns:p14="http://schemas.microsoft.com/office/powerpoint/2010/main" val="1364195126"/>
+      </p:ext>
+    </p:extLst>
+  </p:cSld>
+  <p:clrMapOvr>
+    <a:masterClrMapping/>
+  </p:clrMapOvr>
+</p:notes>
+</file>
+
+<file path=ppt/notesSlides/notesSlide3.xml><?xml version="1.0" encoding="utf-8"?>
+<p:notes xmlns:a="http://schemas.openxmlformats.org/drawingml/2006/main" xmlns:r="http://schemas.openxmlformats.org/officeDocument/2006/relationships" xmlns:p="http://schemas.openxmlformats.org/presentationml/2006/main">
+  <p:cSld>
+    <p:spTree>
+      <p:nvGrpSpPr>
+        <p:cNvPr id="1" name=""/>
+        <p:cNvGrpSpPr/>
+        <p:nvPr/>
+      </p:nvGrpSpPr>
+      <p:grpSpPr>
+        <a:xfrm>
+          <a:off x="0" y="0"/>
+          <a:ext cx="0" cy="0"/>
+          <a:chOff x="0" y="0"/>
+          <a:chExt cx="0" cy="0"/>
+        </a:xfrm>
+      </p:grpSpPr>
+      <p:sp>
+        <p:nvSpPr>
+          <p:cNvPr id="2" name="Slide Image Placeholder 1"/>
+          <p:cNvSpPr>
+            <a:spLocks noGrp="1" noRot="1" noChangeAspect="1"/>
+          </p:cNvSpPr>
+          <p:nvPr>
+            <p:ph type="sldImg"/>
+          </p:nvPr>
+        </p:nvSpPr>
+        <p:spPr/>
+      </p:sp>
+      <p:sp>
+        <p:nvSpPr>
+          <p:cNvPr id="3" name="Notes Placeholder 2"/>
+          <p:cNvSpPr>
+            <a:spLocks noGrp="1"/>
+          </p:cNvSpPr>
+          <p:nvPr>
+            <p:ph type="body" idx="1"/>
+          </p:nvPr>
+        </p:nvSpPr>
+        <p:spPr/>
+        <p:txBody>
+          <a:bodyPr/>
+          <a:lstStyle/>
+          <a:p>
+            <a:endParaRPr lang="en-US"/>
+          </a:p>
+        </p:txBody>
+      </p:sp>
+      <p:sp>
+        <p:nvSpPr>
+          <p:cNvPr id="4" name="Slide Number Placeholder 3"/>
+          <p:cNvSpPr>
+            <a:spLocks noGrp="1"/>
+          </p:cNvSpPr>
+          <p:nvPr>
+            <p:ph type="sldNum" sz="quarter" idx="10"/>
+          </p:nvPr>
+        </p:nvSpPr>
+        <p:spPr/>
+        <p:txBody>
+          <a:bodyPr/>
+          <a:lstStyle/>
+          <a:p>
+            <a:fld id="{3DA1721D-F19C-431F-BB30-6E8A6C6022BC}" type="slidenum">
+              <a:rPr lang="en-US" smtClean="0"/>
+              <a:t>3</a:t>
+            </a:fld>
+            <a:endParaRPr lang="en-US"/>
+          </a:p>
+        </p:txBody>
+      </p:sp>
+    </p:spTree>
+    <p:extLst>
+      <p:ext uri="{BB962C8B-B14F-4D97-AF65-F5344CB8AC3E}">
+        <p14:creationId xmlns:p14="http://schemas.microsoft.com/office/powerpoint/2010/main" val="527410133"/>
+      </p:ext>
+    </p:extLst>
+  </p:cSld>
+  <p:clrMapOvr>
+    <a:masterClrMapping/>
+  </p:clrMapOvr>
+</p:notes>
+</file>
+
+<file path=ppt/notesSlides/notesSlide4.xml><?xml version="1.0" encoding="utf-8"?>
+<p:notes xmlns:a="http://schemas.openxmlformats.org/drawingml/2006/main" xmlns:r="http://schemas.openxmlformats.org/officeDocument/2006/relationships" xmlns:p="http://schemas.openxmlformats.org/presentationml/2006/main">
+  <p:cSld>
+    <p:spTree>
+      <p:nvGrpSpPr>
+        <p:cNvPr id="1" name=""/>
+        <p:cNvGrpSpPr/>
+        <p:nvPr/>
+      </p:nvGrpSpPr>
+      <p:grpSpPr>
+        <a:xfrm>
+          <a:off x="0" y="0"/>
+          <a:ext cx="0" cy="0"/>
+          <a:chOff x="0" y="0"/>
+          <a:chExt cx="0" cy="0"/>
+        </a:xfrm>
+      </p:grpSpPr>
+      <p:sp>
+        <p:nvSpPr>
+          <p:cNvPr id="2" name="Slide Image Placeholder 1"/>
+          <p:cNvSpPr>
+            <a:spLocks noGrp="1" noRot="1" noChangeAspect="1"/>
+          </p:cNvSpPr>
+          <p:nvPr>
+            <p:ph type="sldImg"/>
+          </p:nvPr>
+        </p:nvSpPr>
+        <p:spPr/>
+      </p:sp>
+      <p:sp>
+        <p:nvSpPr>
+          <p:cNvPr id="3" name="Notes Placeholder 2"/>
+          <p:cNvSpPr>
+            <a:spLocks noGrp="1"/>
+          </p:cNvSpPr>
+          <p:nvPr>
+            <p:ph type="body" idx="1"/>
+          </p:nvPr>
+        </p:nvSpPr>
+        <p:spPr/>
+        <p:txBody>
+          <a:bodyPr/>
+          <a:lstStyle/>
+          <a:p>
+            <a:endParaRPr lang="en-US"/>
+          </a:p>
+        </p:txBody>
+      </p:sp>
+      <p:sp>
+        <p:nvSpPr>
+          <p:cNvPr id="4" name="Slide Number Placeholder 3"/>
+          <p:cNvSpPr>
+            <a:spLocks noGrp="1"/>
+          </p:cNvSpPr>
+          <p:nvPr>
+            <p:ph type="sldNum" sz="quarter" idx="10"/>
+          </p:nvPr>
+        </p:nvSpPr>
+        <p:spPr/>
+        <p:txBody>
+          <a:bodyPr/>
+          <a:lstStyle/>
+          <a:p>
+            <a:fld id="{3DA1721D-F19C-431F-BB30-6E8A6C6022BC}" type="slidenum">
+              <a:rPr lang="en-US" smtClean="0"/>
+              <a:t>4</a:t>
+            </a:fld>
+            <a:endParaRPr lang="en-US"/>
+          </a:p>
+        </p:txBody>
+      </p:sp>
+    </p:spTree>
+    <p:extLst>
+      <p:ext uri="{BB962C8B-B14F-4D97-AF65-F5344CB8AC3E}">
+        <p14:creationId xmlns:p14="http://schemas.microsoft.com/office/powerpoint/2010/main" val="3035522356"/>
+      </p:ext>
+    </p:extLst>
+  </p:cSld>
+  <p:clrMapOvr>
+    <a:masterClrMapping/>
+  </p:clrMapOvr>
+</p:notes>
+</file>
+
+<file path=ppt/notesSlides/notesSlide5.xml><?xml version="1.0" encoding="utf-8"?>
+<p:notes xmlns:a="http://schemas.openxmlformats.org/drawingml/2006/main" xmlns:r="http://schemas.openxmlformats.org/officeDocument/2006/relationships" xmlns:p="http://schemas.openxmlformats.org/presentationml/2006/main">
+  <p:cSld>
+    <p:spTree>
+      <p:nvGrpSpPr>
+        <p:cNvPr id="1" name=""/>
+        <p:cNvGrpSpPr/>
+        <p:nvPr/>
+      </p:nvGrpSpPr>
+      <p:grpSpPr>
+        <a:xfrm>
+          <a:off x="0" y="0"/>
+          <a:ext cx="0" cy="0"/>
+          <a:chOff x="0" y="0"/>
+          <a:chExt cx="0" cy="0"/>
+        </a:xfrm>
+      </p:grpSpPr>
+      <p:sp>
+        <p:nvSpPr>
+          <p:cNvPr id="2" name="Slide Image Placeholder 1"/>
+          <p:cNvSpPr>
+            <a:spLocks noGrp="1" noRot="1" noChangeAspect="1"/>
+          </p:cNvSpPr>
+          <p:nvPr>
+            <p:ph type="sldImg"/>
+          </p:nvPr>
+        </p:nvSpPr>
+        <p:spPr/>
+      </p:sp>
+      <p:sp>
+        <p:nvSpPr>
+          <p:cNvPr id="3" name="Notes Placeholder 2"/>
+          <p:cNvSpPr>
+            <a:spLocks noGrp="1"/>
+          </p:cNvSpPr>
+          <p:nvPr>
+            <p:ph type="body" idx="1"/>
+          </p:nvPr>
+        </p:nvSpPr>
+        <p:spPr/>
+        <p:txBody>
+          <a:bodyPr/>
+          <a:lstStyle/>
+          <a:p>
+            <a:endParaRPr lang="en-US"/>
+          </a:p>
+        </p:txBody>
+      </p:sp>
+      <p:sp>
+        <p:nvSpPr>
+          <p:cNvPr id="4" name="Slide Number Placeholder 3"/>
+          <p:cNvSpPr>
+            <a:spLocks noGrp="1"/>
+          </p:cNvSpPr>
+          <p:nvPr>
+            <p:ph type="sldNum" sz="quarter" idx="10"/>
+          </p:nvPr>
+        </p:nvSpPr>
+        <p:spPr/>
+        <p:txBody>
+          <a:bodyPr/>
+          <a:lstStyle/>
+          <a:p>
+            <a:fld id="{3DA1721D-F19C-431F-BB30-6E8A6C6022BC}" type="slidenum">
+              <a:rPr lang="en-US" smtClean="0"/>
+              <a:t>5</a:t>
+            </a:fld>
+            <a:endParaRPr lang="en-US"/>
+          </a:p>
+        </p:txBody>
+      </p:sp>
+    </p:spTree>
+    <p:extLst>
+      <p:ext uri="{BB962C8B-B14F-4D97-AF65-F5344CB8AC3E}">
+        <p14:creationId xmlns:p14="http://schemas.microsoft.com/office/powerpoint/2010/main" val="1928395151"/>
+      </p:ext>
+    </p:extLst>
+  </p:cSld>
+  <p:clrMapOvr>
+    <a:masterClrMapping/>
+  </p:clrMapOvr>
+</p:notes>
+</file>
+
+<file path=ppt/notesSlides/notesSlide6.xml><?xml version="1.0" encoding="utf-8"?>
+<p:notes xmlns:a="http://schemas.openxmlformats.org/drawingml/2006/main" xmlns:r="http://schemas.openxmlformats.org/officeDocument/2006/relationships" xmlns:p="http://schemas.openxmlformats.org/presentationml/2006/main">
+  <p:cSld>
+    <p:spTree>
+      <p:nvGrpSpPr>
+        <p:cNvPr id="1" name=""/>
+        <p:cNvGrpSpPr/>
+        <p:nvPr/>
+      </p:nvGrpSpPr>
+      <p:grpSpPr>
+        <a:xfrm>
+          <a:off x="0" y="0"/>
+          <a:ext cx="0" cy="0"/>
+          <a:chOff x="0" y="0"/>
+          <a:chExt cx="0" cy="0"/>
+        </a:xfrm>
+      </p:grpSpPr>
+      <p:sp>
+        <p:nvSpPr>
+          <p:cNvPr id="2" name="Slide Image Placeholder 1"/>
+          <p:cNvSpPr>
+            <a:spLocks noGrp="1" noRot="1" noChangeAspect="1"/>
+          </p:cNvSpPr>
+          <p:nvPr>
+            <p:ph type="sldImg"/>
+          </p:nvPr>
+        </p:nvSpPr>
+        <p:spPr/>
+      </p:sp>
+      <p:sp>
+        <p:nvSpPr>
+          <p:cNvPr id="3" name="Notes Placeholder 2"/>
+          <p:cNvSpPr>
+            <a:spLocks noGrp="1"/>
+          </p:cNvSpPr>
+          <p:nvPr>
+            <p:ph type="body" idx="1"/>
+          </p:nvPr>
+        </p:nvSpPr>
+        <p:spPr/>
+        <p:txBody>
+          <a:bodyPr/>
+          <a:lstStyle/>
+          <a:p>
+            <a:endParaRPr lang="en-US"/>
+          </a:p>
+        </p:txBody>
+      </p:sp>
+      <p:sp>
+        <p:nvSpPr>
+          <p:cNvPr id="4" name="Slide Number Placeholder 3"/>
+          <p:cNvSpPr>
+            <a:spLocks noGrp="1"/>
+          </p:cNvSpPr>
+          <p:nvPr>
+            <p:ph type="sldNum" sz="quarter" idx="10"/>
+          </p:nvPr>
+        </p:nvSpPr>
+        <p:spPr/>
+        <p:txBody>
+          <a:bodyPr/>
+          <a:lstStyle/>
+          <a:p>
+            <a:fld id="{3DA1721D-F19C-431F-BB30-6E8A6C6022BC}" type="slidenum">
+              <a:rPr lang="en-US" smtClean="0"/>
+              <a:t>6</a:t>
+            </a:fld>
+            <a:endParaRPr lang="en-US"/>
+          </a:p>
+        </p:txBody>
+      </p:sp>
+    </p:spTree>
+    <p:extLst>
+      <p:ext uri="{BB962C8B-B14F-4D97-AF65-F5344CB8AC3E}">
+        <p14:creationId xmlns:p14="http://schemas.microsoft.com/office/powerpoint/2010/main" val="189424838"/>
+      </p:ext>
+    </p:extLst>
+  </p:cSld>
+  <p:clrMapOvr>
+    <a:masterClrMapping/>
+  </p:clrMapOvr>
+</p:notes>
+</file>
+
+<file path=ppt/notesSlides/notesSlide7.xml><?xml version="1.0" encoding="utf-8"?>
+<p:notes xmlns:a="http://schemas.openxmlformats.org/drawingml/2006/main" xmlns:r="http://schemas.openxmlformats.org/officeDocument/2006/relationships" xmlns:p="http://schemas.openxmlformats.org/presentationml/2006/main">
+  <p:cSld>
+    <p:spTree>
+      <p:nvGrpSpPr>
+        <p:cNvPr id="1" name=""/>
+        <p:cNvGrpSpPr/>
+        <p:nvPr/>
+      </p:nvGrpSpPr>
+      <p:grpSpPr>
+        <a:xfrm>
+          <a:off x="0" y="0"/>
+          <a:ext cx="0" cy="0"/>
+          <a:chOff x="0" y="0"/>
+          <a:chExt cx="0" cy="0"/>
+        </a:xfrm>
+      </p:grpSpPr>
+      <p:sp>
+        <p:nvSpPr>
+          <p:cNvPr id="2" name="Slide Image Placeholder 1"/>
+          <p:cNvSpPr>
+            <a:spLocks noGrp="1" noRot="1" noChangeAspect="1"/>
+          </p:cNvSpPr>
+          <p:nvPr>
+            <p:ph type="sldImg"/>
+          </p:nvPr>
+        </p:nvSpPr>
+        <p:spPr/>
+      </p:sp>
+      <p:sp>
+        <p:nvSpPr>
+          <p:cNvPr id="3" name="Notes Placeholder 2"/>
+          <p:cNvSpPr>
+            <a:spLocks noGrp="1"/>
+          </p:cNvSpPr>
+          <p:nvPr>
+            <p:ph type="body" idx="1"/>
+          </p:nvPr>
+        </p:nvSpPr>
+        <p:spPr/>
+        <p:txBody>
+          <a:bodyPr/>
+          <a:lstStyle/>
+          <a:p>
+            <a:endParaRPr lang="en-US"/>
+          </a:p>
+        </p:txBody>
+      </p:sp>
+      <p:sp>
+        <p:nvSpPr>
+          <p:cNvPr id="4" name="Slide Number Placeholder 3"/>
+          <p:cNvSpPr>
+            <a:spLocks noGrp="1"/>
+          </p:cNvSpPr>
+          <p:nvPr>
+            <p:ph type="sldNum" sz="quarter" idx="10"/>
+          </p:nvPr>
+        </p:nvSpPr>
+        <p:spPr/>
+        <p:txBody>
+          <a:bodyPr/>
+          <a:lstStyle/>
+          <a:p>
+            <a:fld id="{3DA1721D-F19C-431F-BB30-6E8A6C6022BC}" type="slidenum">
+              <a:rPr lang="en-US" smtClean="0"/>
+              <a:t>7</a:t>
+            </a:fld>
+            <a:endParaRPr lang="en-US"/>
+          </a:p>
+        </p:txBody>
+      </p:sp>
+    </p:spTree>
+    <p:extLst>
+      <p:ext uri="{BB962C8B-B14F-4D97-AF65-F5344CB8AC3E}">
+        <p14:creationId xmlns:p14="http://schemas.microsoft.com/office/powerpoint/2010/main" val="2194771224"/>
+      </p:ext>
+    </p:extLst>
+  </p:cSld>
+  <p:clrMapOvr>
+    <a:masterClrMapping/>
+  </p:clrMapOvr>
+</p:notes>
+</file>
+
+<file path=ppt/notesSlides/notesSlide8.xml><?xml version="1.0" encoding="utf-8"?>
+<p:notes xmlns:a="http://schemas.openxmlformats.org/drawingml/2006/main" xmlns:r="http://schemas.openxmlformats.org/officeDocument/2006/relationships" xmlns:p="http://schemas.openxmlformats.org/presentationml/2006/main">
+  <p:cSld>
+    <p:spTree>
+      <p:nvGrpSpPr>
+        <p:cNvPr id="1" name=""/>
+        <p:cNvGrpSpPr/>
+        <p:nvPr/>
+      </p:nvGrpSpPr>
+      <p:grpSpPr>
+        <a:xfrm>
+          <a:off x="0" y="0"/>
+          <a:ext cx="0" cy="0"/>
+          <a:chOff x="0" y="0"/>
+          <a:chExt cx="0" cy="0"/>
+        </a:xfrm>
+      </p:grpSpPr>
+      <p:sp>
+        <p:nvSpPr>
+          <p:cNvPr id="2" name="Slide Image Placeholder 1"/>
+          <p:cNvSpPr>
+            <a:spLocks noGrp="1" noRot="1" noChangeAspect="1"/>
+          </p:cNvSpPr>
+          <p:nvPr>
+            <p:ph type="sldImg"/>
+          </p:nvPr>
+        </p:nvSpPr>
+        <p:spPr/>
+      </p:sp>
+      <p:sp>
+        <p:nvSpPr>
+          <p:cNvPr id="3" name="Notes Placeholder 2"/>
+          <p:cNvSpPr>
+            <a:spLocks noGrp="1"/>
+          </p:cNvSpPr>
+          <p:nvPr>
+            <p:ph type="body" idx="1"/>
+          </p:nvPr>
+        </p:nvSpPr>
+        <p:spPr/>
+        <p:txBody>
+          <a:bodyPr/>
+          <a:lstStyle/>
+          <a:p>
+            <a:endParaRPr lang="en-US"/>
+          </a:p>
+        </p:txBody>
+      </p:sp>
+      <p:sp>
+        <p:nvSpPr>
+          <p:cNvPr id="4" name="Slide Number Placeholder 3"/>
+          <p:cNvSpPr>
+            <a:spLocks noGrp="1"/>
+          </p:cNvSpPr>
+          <p:nvPr>
+            <p:ph type="sldNum" sz="quarter" idx="10"/>
+          </p:nvPr>
+        </p:nvSpPr>
+        <p:spPr/>
+        <p:txBody>
+          <a:bodyPr/>
+          <a:lstStyle/>
+          <a:p>
+            <a:fld id="{3DA1721D-F19C-431F-BB30-6E8A6C6022BC}" type="slidenum">
+              <a:rPr lang="en-US" smtClean="0"/>
+              <a:t>8</a:t>
+            </a:fld>
+            <a:endParaRPr lang="en-US"/>
+          </a:p>
+        </p:txBody>
+      </p:sp>
+    </p:spTree>
+    <p:extLst>
+      <p:ext uri="{BB962C8B-B14F-4D97-AF65-F5344CB8AC3E}">
+        <p14:creationId xmlns:p14="http://schemas.microsoft.com/office/powerpoint/2010/main" val="1995129496"/>
+      </p:ext>
+    </p:extLst>
+  </p:cSld>
+  <p:clrMapOvr>
+    <a:masterClrMapping/>
+  </p:clrMapOvr>
+</p:notes>
+</file>
+
+<file path=ppt/notesSlides/notesSlide9.xml><?xml version="1.0" encoding="utf-8"?>
+<p:notes xmlns:a="http://schemas.openxmlformats.org/drawingml/2006/main" xmlns:r="http://schemas.openxmlformats.org/officeDocument/2006/relationships" xmlns:p="http://schemas.openxmlformats.org/presentationml/2006/main">
+  <p:cSld>
+    <p:spTree>
+      <p:nvGrpSpPr>
+        <p:cNvPr id="1" name=""/>
+        <p:cNvGrpSpPr/>
+        <p:nvPr/>
+      </p:nvGrpSpPr>
+      <p:grpSpPr>
+        <a:xfrm>
+          <a:off x="0" y="0"/>
+          <a:ext cx="0" cy="0"/>
+          <a:chOff x="0" y="0"/>
+          <a:chExt cx="0" cy="0"/>
+        </a:xfrm>
+      </p:grpSpPr>
+      <p:sp>
+        <p:nvSpPr>
+          <p:cNvPr id="2" name="Slide Image Placeholder 1"/>
+          <p:cNvSpPr>
+            <a:spLocks noGrp="1" noRot="1" noChangeAspect="1"/>
+          </p:cNvSpPr>
+          <p:nvPr>
+            <p:ph type="sldImg"/>
+          </p:nvPr>
+        </p:nvSpPr>
+        <p:spPr/>
+      </p:sp>
+      <p:sp>
+        <p:nvSpPr>
+          <p:cNvPr id="3" name="Notes Placeholder 2"/>
+          <p:cNvSpPr>
+            <a:spLocks noGrp="1"/>
+          </p:cNvSpPr>
+          <p:nvPr>
+            <p:ph type="body" idx="1"/>
+          </p:nvPr>
+        </p:nvSpPr>
+        <p:spPr/>
+        <p:txBody>
+          <a:bodyPr/>
+          <a:lstStyle/>
+          <a:p>
             <a:r>
               <a:rPr lang="en-US" dirty="0"/>
               <a:t>If not using source audio skip to slide 14</a:t>
@@ -751,7 +2019,7 @@
           <a:p>
             <a:fld id="{4AAD347D-5ACD-4C99-B74B-A9C85AD731AF}" type="datetimeFigureOut">
               <a:rPr lang="en-US" dirty="0"/>
-              <a:t>4/13/2018</a:t>
+              <a:t>4/18/2018</a:t>
             </a:fld>
             <a:endParaRPr lang="en-US" dirty="0"/>
           </a:p>
@@ -1020,7 +2288,7 @@
           <a:p>
             <a:fld id="{4509A250-FF31-4206-8172-F9D3106AACB1}" type="datetimeFigureOut">
               <a:rPr lang="en-US" dirty="0"/>
-              <a:t>4/13/2018</a:t>
+              <a:t>4/18/2018</a:t>
             </a:fld>
             <a:endParaRPr lang="en-US" dirty="0"/>
           </a:p>
@@ -1209,7 +2477,7 @@
           <a:p>
             <a:fld id="{4509A250-FF31-4206-8172-F9D3106AACB1}" type="datetimeFigureOut">
               <a:rPr lang="en-US" dirty="0"/>
-              <a:t>4/13/2018</a:t>
+              <a:t>4/18/2018</a:t>
             </a:fld>
             <a:endParaRPr lang="en-US" dirty="0"/>
           </a:p>
@@ -1477,7 +2745,7 @@
           <a:p>
             <a:fld id="{4509A250-FF31-4206-8172-F9D3106AACB1}" type="datetimeFigureOut">
               <a:rPr lang="en-US" dirty="0"/>
-              <a:t>4/13/2018</a:t>
+              <a:t>4/18/2018</a:t>
             </a:fld>
             <a:endParaRPr lang="en-US" dirty="0"/>
           </a:p>
@@ -1813,7 +3081,7 @@
           <a:p>
             <a:fld id="{4509A250-FF31-4206-8172-F9D3106AACB1}" type="datetimeFigureOut">
               <a:rPr lang="en-US" dirty="0"/>
-              <a:t>4/13/2018</a:t>
+              <a:t>4/18/2018</a:t>
             </a:fld>
             <a:endParaRPr lang="en-US" dirty="0"/>
           </a:p>
@@ -2431,7 +3699,7 @@
           <a:p>
             <a:fld id="{4509A250-FF31-4206-8172-F9D3106AACB1}" type="datetimeFigureOut">
               <a:rPr lang="en-US" dirty="0"/>
-              <a:t>4/13/2018</a:t>
+              <a:t>4/18/2018</a:t>
             </a:fld>
             <a:endParaRPr lang="en-US" dirty="0"/>
           </a:p>
@@ -3283,7 +4551,7 @@
           <a:p>
             <a:fld id="{4509A250-FF31-4206-8172-F9D3106AACB1}" type="datetimeFigureOut">
               <a:rPr lang="en-US" dirty="0"/>
-              <a:t>4/13/2018</a:t>
+              <a:t>4/18/2018</a:t>
             </a:fld>
             <a:endParaRPr lang="en-US" dirty="0"/>
           </a:p>
@@ -3448,7 +4716,7 @@
           <a:p>
             <a:fld id="{4509A250-FF31-4206-8172-F9D3106AACB1}" type="datetimeFigureOut">
               <a:rPr lang="en-US" dirty="0"/>
-              <a:t>4/13/2018</a:t>
+              <a:t>4/18/2018</a:t>
             </a:fld>
             <a:endParaRPr lang="en-US" dirty="0"/>
           </a:p>
@@ -3623,7 +4891,7 @@
           <a:p>
             <a:fld id="{4509A250-FF31-4206-8172-F9D3106AACB1}" type="datetimeFigureOut">
               <a:rPr lang="en-US" dirty="0"/>
-              <a:t>4/13/2018</a:t>
+              <a:t>4/18/2018</a:t>
             </a:fld>
             <a:endParaRPr lang="en-US" dirty="0"/>
           </a:p>
@@ -3788,7 +5056,7 @@
           <a:p>
             <a:fld id="{4509A250-FF31-4206-8172-F9D3106AACB1}" type="datetimeFigureOut">
               <a:rPr lang="en-US" dirty="0"/>
-              <a:t>4/13/2018</a:t>
+              <a:t>4/18/2018</a:t>
             </a:fld>
             <a:endParaRPr lang="en-US" dirty="0"/>
           </a:p>
@@ -4030,7 +5298,7 @@
           <a:p>
             <a:fld id="{9796027F-7875-4030-9381-8BD8C4F21935}" type="datetimeFigureOut">
               <a:rPr lang="en-US" dirty="0"/>
-              <a:t>4/13/2018</a:t>
+              <a:t>4/18/2018</a:t>
             </a:fld>
             <a:endParaRPr lang="en-US" dirty="0"/>
           </a:p>
@@ -4317,7 +5585,7 @@
           <a:p>
             <a:fld id="{9796027F-7875-4030-9381-8BD8C4F21935}" type="datetimeFigureOut">
               <a:rPr lang="en-US" dirty="0"/>
-              <a:t>4/13/2018</a:t>
+              <a:t>4/18/2018</a:t>
             </a:fld>
             <a:endParaRPr lang="en-US" dirty="0"/>
           </a:p>
@@ -4756,7 +6024,7 @@
           <a:p>
             <a:fld id="{9796027F-7875-4030-9381-8BD8C4F21935}" type="datetimeFigureOut">
               <a:rPr lang="en-US" dirty="0"/>
-              <a:t>4/13/2018</a:t>
+              <a:t>4/18/2018</a:t>
             </a:fld>
             <a:endParaRPr lang="en-US" dirty="0"/>
           </a:p>
@@ -4869,7 +6137,7 @@
           <a:p>
             <a:fld id="{4509A250-FF31-4206-8172-F9D3106AACB1}" type="datetimeFigureOut">
               <a:rPr lang="en-US" dirty="0"/>
-              <a:t>4/13/2018</a:t>
+              <a:t>4/18/2018</a:t>
             </a:fld>
             <a:endParaRPr lang="en-US" dirty="0"/>
           </a:p>
@@ -4959,7 +6227,7 @@
           <a:p>
             <a:fld id="{4509A250-FF31-4206-8172-F9D3106AACB1}" type="datetimeFigureOut">
               <a:rPr lang="en-US" dirty="0"/>
-              <a:t>4/13/2018</a:t>
+              <a:t>4/18/2018</a:t>
             </a:fld>
             <a:endParaRPr lang="en-US" dirty="0"/>
           </a:p>
@@ -5233,7 +6501,7 @@
           <a:p>
             <a:fld id="{4509A250-FF31-4206-8172-F9D3106AACB1}" type="datetimeFigureOut">
               <a:rPr lang="en-US" dirty="0"/>
-              <a:t>4/13/2018</a:t>
+              <a:t>4/18/2018</a:t>
             </a:fld>
             <a:endParaRPr lang="en-US" dirty="0"/>
           </a:p>
@@ -5502,7 +6770,7 @@
           <a:p>
             <a:fld id="{4509A250-FF31-4206-8172-F9D3106AACB1}" type="datetimeFigureOut">
               <a:rPr lang="en-US" dirty="0"/>
-              <a:t>4/13/2018</a:t>
+              <a:t>4/18/2018</a:t>
             </a:fld>
             <a:endParaRPr lang="en-US" dirty="0"/>
           </a:p>
@@ -5926,7 +7194,7 @@
           <a:p>
             <a:fld id="{4AAD347D-5ACD-4C99-B74B-A9C85AD731AF}" type="datetimeFigureOut">
               <a:rPr lang="en-US" dirty="0"/>
-              <a:t>4/13/2018</a:t>
+              <a:t>4/18/2018</a:t>
             </a:fld>
             <a:endParaRPr lang="en-US" dirty="0"/>
           </a:p>
@@ -6521,7 +7789,7 @@
     </p:spTree>
     <p:extLst>
       <p:ext uri="{BB962C8B-B14F-4D97-AF65-F5344CB8AC3E}">
-        <p14:creationId xmlns:p14="http://schemas.microsoft.com/office/powerpoint/2010/main" val="2457159620"/>
+        <p14:creationId xmlns:p14="http://schemas.microsoft.com/office/powerpoint/2010/main" val="3635355011"/>
       </p:ext>
     </p:extLst>
   </p:cSld>
@@ -6557,7 +7825,7 @@
           <p:nvPr/>
         </p:nvPicPr>
         <p:blipFill>
-          <a:blip r:embed="rId2"/>
+          <a:blip r:embed="rId3"/>
           <a:stretch>
             <a:fillRect/>
           </a:stretch>
@@ -6680,11 +7948,11 @@
           <p:nvPr/>
         </p:nvPicPr>
         <p:blipFill>
-          <a:blip r:embed="rId3">
+          <a:blip r:embed="rId4">
             <a:extLst>
               <a:ext uri="{BEBA8EAE-BF5A-486C-A8C5-ECC9F3942E4B}">
                 <a14:imgProps xmlns:a14="http://schemas.microsoft.com/office/drawing/2010/main">
-                  <a14:imgLayer r:embed="rId4">
+                  <a14:imgLayer r:embed="rId5">
                     <a14:imgEffect>
                       <a14:backgroundRemoval t="10000" b="90000" l="10000" r="90000"/>
                     </a14:imgEffect>
@@ -6716,11 +7984,11 @@
           <p:nvPr/>
         </p:nvPicPr>
         <p:blipFill>
-          <a:blip r:embed="rId5">
+          <a:blip r:embed="rId6">
             <a:extLst>
               <a:ext uri="{BEBA8EAE-BF5A-486C-A8C5-ECC9F3942E4B}">
                 <a14:imgProps xmlns:a14="http://schemas.microsoft.com/office/drawing/2010/main">
-                  <a14:imgLayer r:embed="rId4">
+                  <a14:imgLayer r:embed="rId5">
                     <a14:imgEffect>
                       <a14:backgroundRemoval t="10000" b="90000" l="10000" r="90000"/>
                     </a14:imgEffect>
@@ -6752,7 +8020,7 @@
           <p:nvPr/>
         </p:nvPicPr>
         <p:blipFill>
-          <a:blip r:embed="rId6"/>
+          <a:blip r:embed="rId7"/>
           <a:stretch>
             <a:fillRect/>
           </a:stretch>
@@ -6776,11 +8044,11 @@
           <p:nvPr/>
         </p:nvPicPr>
         <p:blipFill>
-          <a:blip r:embed="rId5">
+          <a:blip r:embed="rId6">
             <a:extLst>
               <a:ext uri="{BEBA8EAE-BF5A-486C-A8C5-ECC9F3942E4B}">
                 <a14:imgProps xmlns:a14="http://schemas.microsoft.com/office/drawing/2010/main">
-                  <a14:imgLayer r:embed="rId4">
+                  <a14:imgLayer r:embed="rId5">
                     <a14:imgEffect>
                       <a14:backgroundRemoval t="10000" b="90000" l="10000" r="90000"/>
                     </a14:imgEffect>
@@ -6975,7 +8243,7 @@
           <p:nvPr/>
         </p:nvPicPr>
         <p:blipFill>
-          <a:blip r:embed="rId2"/>
+          <a:blip r:embed="rId3"/>
           <a:stretch>
             <a:fillRect/>
           </a:stretch>
@@ -7076,6 +8344,58 @@
               <a:rPr lang="en-US" b="1" dirty="0"/>
               <a:t>Skip this step if not using a source text </a:t>
             </a:r>
+          </a:p>
+        </p:txBody>
+      </p:sp>
+      <p:sp>
+        <p:nvSpPr>
+          <p:cNvPr id="2" name="Oval 1">
+            <a:extLst>
+              <a:ext uri="{FF2B5EF4-FFF2-40B4-BE49-F238E27FC236}">
+                <a16:creationId xmlns:a16="http://schemas.microsoft.com/office/drawing/2014/main" id="{FBCEAFBA-7898-4BCB-876C-8D0B76CDF838}"/>
+              </a:ext>
+            </a:extLst>
+          </p:cNvPr>
+          <p:cNvSpPr/>
+          <p:nvPr/>
+        </p:nvSpPr>
+        <p:spPr>
+          <a:xfrm>
+            <a:off x="5278056" y="3310359"/>
+            <a:ext cx="1689903" cy="428264"/>
+          </a:xfrm>
+          <a:prstGeom prst="ellipse">
+            <a:avLst/>
+          </a:prstGeom>
+          <a:noFill/>
+          <a:ln w="76200">
+            <a:solidFill>
+              <a:srgbClr val="B01513"/>
+            </a:solidFill>
+          </a:ln>
+        </p:spPr>
+        <p:style>
+          <a:lnRef idx="2">
+            <a:schemeClr val="accent1">
+              <a:shade val="50000"/>
+            </a:schemeClr>
+          </a:lnRef>
+          <a:fillRef idx="1">
+            <a:schemeClr val="accent1"/>
+          </a:fillRef>
+          <a:effectRef idx="0">
+            <a:schemeClr val="accent1"/>
+          </a:effectRef>
+          <a:fontRef idx="minor">
+            <a:schemeClr val="lt1"/>
+          </a:fontRef>
+        </p:style>
+        <p:txBody>
+          <a:bodyPr rtlCol="0" anchor="ctr"/>
+          <a:lstStyle/>
+          <a:p>
+            <a:pPr algn="ctr"/>
+            <a:endParaRPr lang="en-US"/>
           </a:p>
         </p:txBody>
       </p:sp>
@@ -7156,7 +8476,7 @@
           <p:nvPr/>
         </p:nvPicPr>
         <p:blipFill>
-          <a:blip r:embed="rId2"/>
+          <a:blip r:embed="rId3"/>
           <a:stretch>
             <a:fillRect/>
           </a:stretch>
@@ -7343,7 +8663,7 @@
           <p:nvPr/>
         </p:nvPicPr>
         <p:blipFill>
-          <a:blip r:embed="rId2"/>
+          <a:blip r:embed="rId3"/>
           <a:stretch>
             <a:fillRect/>
           </a:stretch>
@@ -7570,14 +8890,16 @@
       </p:sp>
       <p:pic>
         <p:nvPicPr>
-          <p:cNvPr id="7" name="Picture 6"/>
+          <p:cNvPr id="7" name="Picture 6">
+            <a:hlinkClick r:id="" action="ppaction://hlinkshowjump?jump=lastslide"/>
+          </p:cNvPr>
           <p:cNvPicPr>
             <a:picLocks noChangeAspect="1"/>
           </p:cNvPicPr>
           <p:nvPr/>
         </p:nvPicPr>
         <p:blipFill>
-          <a:blip r:embed="rId2"/>
+          <a:blip r:embed="rId3"/>
           <a:stretch>
             <a:fillRect/>
           </a:stretch>
@@ -7635,6 +8957,57 @@
           </a:bodyPr>
           <a:lstStyle/>
           <a:p>
+            <a:endParaRPr lang="en-US"/>
+          </a:p>
+        </p:txBody>
+      </p:sp>
+      <p:sp>
+        <p:nvSpPr>
+          <p:cNvPr id="2" name="Rectangle 1">
+            <a:hlinkClick r:id="rId4" action="ppaction://hlinksldjump"/>
+            <a:extLst>
+              <a:ext uri="{FF2B5EF4-FFF2-40B4-BE49-F238E27FC236}">
+                <a16:creationId xmlns:a16="http://schemas.microsoft.com/office/drawing/2014/main" id="{E260EA58-C8F9-4665-8B57-F6F787DF4049}"/>
+              </a:ext>
+            </a:extLst>
+          </p:cNvPr>
+          <p:cNvSpPr/>
+          <p:nvPr/>
+        </p:nvSpPr>
+        <p:spPr>
+          <a:xfrm>
+            <a:off x="0" y="0"/>
+            <a:ext cx="12192000" cy="6858000"/>
+          </a:xfrm>
+          <a:prstGeom prst="rect">
+            <a:avLst/>
+          </a:prstGeom>
+          <a:noFill/>
+          <a:ln>
+            <a:noFill/>
+          </a:ln>
+        </p:spPr>
+        <p:style>
+          <a:lnRef idx="2">
+            <a:schemeClr val="accent1">
+              <a:shade val="50000"/>
+            </a:schemeClr>
+          </a:lnRef>
+          <a:fillRef idx="1">
+            <a:schemeClr val="accent1"/>
+          </a:fillRef>
+          <a:effectRef idx="0">
+            <a:schemeClr val="accent1"/>
+          </a:effectRef>
+          <a:fontRef idx="minor">
+            <a:schemeClr val="lt1"/>
+          </a:fontRef>
+        </p:style>
+        <p:txBody>
+          <a:bodyPr rtlCol="0" anchor="ctr"/>
+          <a:lstStyle/>
+          <a:p>
+            <a:pPr algn="ctr"/>
             <a:endParaRPr lang="en-US"/>
           </a:p>
         </p:txBody>
@@ -7696,7 +9069,13 @@
             </a:pPr>
             <a:r>
               <a:rPr lang="en-US" sz="2400" b="1" dirty="0"/>
-              <a:t>A New Project Opens:</a:t>
+              <a:t>Source Audio Selection:</a:t>
+            </a:r>
+          </a:p>
+          <a:p>
+            <a:r>
+              <a:rPr lang="en-US" sz="2400" b="1" dirty="0"/>
+              <a:t>Skip this step if there is no source audio.</a:t>
             </a:r>
           </a:p>
         </p:txBody>
@@ -7710,7 +9089,140 @@
           <p:nvPr/>
         </p:nvPicPr>
         <p:blipFill>
-          <a:blip r:embed="rId2"/>
+          <a:blip r:embed="rId3"/>
+          <a:stretch>
+            <a:fillRect/>
+          </a:stretch>
+        </p:blipFill>
+        <p:spPr>
+          <a:xfrm>
+            <a:off x="3052878" y="2512923"/>
+            <a:ext cx="6086244" cy="3803902"/>
+          </a:xfrm>
+          <a:prstGeom prst="rect">
+            <a:avLst/>
+          </a:prstGeom>
+        </p:spPr>
+      </p:pic>
+      <p:sp>
+        <p:nvSpPr>
+          <p:cNvPr id="8" name="Right Arrow 19"/>
+          <p:cNvSpPr/>
+          <p:nvPr/>
+        </p:nvSpPr>
+        <p:spPr>
+          <a:xfrm rot="10523994">
+            <a:off x="9125075" y="5409936"/>
+            <a:ext cx="2328287" cy="950679"/>
+          </a:xfrm>
+          <a:prstGeom prst="rightArrow">
+            <a:avLst/>
+          </a:prstGeom>
+          <a:solidFill>
+            <a:srgbClr val="FFFF00"/>
+          </a:solidFill>
+        </p:spPr>
+        <p:style>
+          <a:lnRef idx="2">
+            <a:schemeClr val="accent1">
+              <a:shade val="50000"/>
+            </a:schemeClr>
+          </a:lnRef>
+          <a:fillRef idx="1">
+            <a:schemeClr val="accent1"/>
+          </a:fillRef>
+          <a:effectRef idx="0">
+            <a:schemeClr val="accent1"/>
+          </a:effectRef>
+          <a:fontRef idx="minor">
+            <a:schemeClr val="lt1"/>
+          </a:fontRef>
+        </p:style>
+        <p:txBody>
+          <a:bodyPr rot="0" spcFirstLastPara="0" vert="horz" wrap="square" lIns="91440" tIns="45720" rIns="91440" bIns="45720" numCol="1" spcCol="0" rtlCol="0" fromWordArt="0" anchor="ctr" anchorCtr="0" forceAA="0" compatLnSpc="1">
+            <a:prstTxWarp prst="textNoShape">
+              <a:avLst/>
+            </a:prstTxWarp>
+            <a:noAutofit/>
+          </a:bodyPr>
+          <a:lstStyle/>
+          <a:p>
+            <a:endParaRPr lang="en-US"/>
+          </a:p>
+        </p:txBody>
+      </p:sp>
+    </p:spTree>
+    <p:extLst>
+      <p:ext uri="{BB962C8B-B14F-4D97-AF65-F5344CB8AC3E}">
+        <p14:creationId xmlns:p14="http://schemas.microsoft.com/office/powerpoint/2010/main" val="3534245462"/>
+      </p:ext>
+    </p:extLst>
+  </p:cSld>
+  <p:clrMapOvr>
+    <a:masterClrMapping/>
+  </p:clrMapOvr>
+</p:sld>
+</file>
+
+<file path=ppt/slides/slide16.xml><?xml version="1.0" encoding="utf-8"?>
+<p:sld xmlns:a="http://schemas.openxmlformats.org/drawingml/2006/main" xmlns:r="http://schemas.openxmlformats.org/officeDocument/2006/relationships" xmlns:p="http://schemas.openxmlformats.org/presentationml/2006/main">
+  <p:cSld>
+    <p:spTree>
+      <p:nvGrpSpPr>
+        <p:cNvPr id="1" name=""/>
+        <p:cNvGrpSpPr/>
+        <p:nvPr/>
+      </p:nvGrpSpPr>
+      <p:grpSpPr>
+        <a:xfrm>
+          <a:off x="0" y="0"/>
+          <a:ext cx="0" cy="0"/>
+          <a:chOff x="0" y="0"/>
+          <a:chExt cx="0" cy="0"/>
+        </a:xfrm>
+      </p:grpSpPr>
+      <p:sp>
+        <p:nvSpPr>
+          <p:cNvPr id="3" name="Content Placeholder 2"/>
+          <p:cNvSpPr>
+            <a:spLocks noGrp="1"/>
+          </p:cNvSpPr>
+          <p:nvPr>
+            <p:ph idx="1"/>
+          </p:nvPr>
+        </p:nvSpPr>
+        <p:spPr>
+          <a:xfrm>
+            <a:off x="1526959" y="689094"/>
+            <a:ext cx="8762259" cy="4641542"/>
+          </a:xfrm>
+        </p:spPr>
+        <p:txBody>
+          <a:bodyPr>
+            <a:normAutofit/>
+          </a:bodyPr>
+          <a:lstStyle/>
+          <a:p>
+            <a:pPr marL="0" indent="0">
+              <a:buNone/>
+            </a:pPr>
+            <a:r>
+              <a:rPr lang="en-US" sz="2400" b="1" dirty="0"/>
+              <a:t>A New Project Opens:</a:t>
+            </a:r>
+          </a:p>
+        </p:txBody>
+      </p:sp>
+      <p:pic>
+        <p:nvPicPr>
+          <p:cNvPr id="7" name="Picture 6"/>
+          <p:cNvPicPr>
+            <a:picLocks noChangeAspect="1"/>
+          </p:cNvPicPr>
+          <p:nvPr/>
+        </p:nvPicPr>
+        <p:blipFill>
+          <a:blip r:embed="rId3"/>
           <a:stretch>
             <a:fillRect/>
           </a:stretch>
@@ -7824,7 +9336,7 @@
           <p:nvPr/>
         </p:nvPicPr>
         <p:blipFill>
-          <a:blip r:embed="rId2"/>
+          <a:blip r:embed="rId3"/>
           <a:stretch>
             <a:fillRect/>
           </a:stretch>
@@ -7963,7 +9475,7 @@
           <p:nvPr/>
         </p:nvPicPr>
         <p:blipFill>
-          <a:blip r:embed="rId2"/>
+          <a:blip r:embed="rId3"/>
           <a:stretch>
             <a:fillRect/>
           </a:stretch>
@@ -8064,7 +9576,7 @@
           <p:nvPr/>
         </p:nvPicPr>
         <p:blipFill>
-          <a:blip r:embed="rId2"/>
+          <a:blip r:embed="rId3"/>
           <a:stretch>
             <a:fillRect/>
           </a:stretch>
@@ -8163,7 +9675,7 @@
           <p:nvPr/>
         </p:nvPicPr>
         <p:blipFill>
-          <a:blip r:embed="rId3"/>
+          <a:blip r:embed="rId4"/>
           <a:stretch>
             <a:fillRect/>
           </a:stretch>
@@ -8288,11 +9800,11 @@
           <p:nvPr/>
         </p:nvPicPr>
         <p:blipFill>
-          <a:blip r:embed="rId4">
+          <a:blip r:embed="rId5">
             <a:extLst>
               <a:ext uri="{BEBA8EAE-BF5A-486C-A8C5-ECC9F3942E4B}">
                 <a14:imgProps xmlns:a14="http://schemas.microsoft.com/office/drawing/2010/main">
-                  <a14:imgLayer r:embed="rId5">
+                  <a14:imgLayer r:embed="rId6">
                     <a14:imgEffect>
                       <a14:backgroundRemoval t="10000" b="90000" l="10000" r="90000"/>
                     </a14:imgEffect>
@@ -8324,11 +9836,11 @@
           <p:nvPr/>
         </p:nvPicPr>
         <p:blipFill>
-          <a:blip r:embed="rId6">
+          <a:blip r:embed="rId7">
             <a:extLst>
               <a:ext uri="{BEBA8EAE-BF5A-486C-A8C5-ECC9F3942E4B}">
                 <a14:imgProps xmlns:a14="http://schemas.microsoft.com/office/drawing/2010/main">
-                  <a14:imgLayer r:embed="rId5">
+                  <a14:imgLayer r:embed="rId6">
                     <a14:imgEffect>
                       <a14:backgroundRemoval t="10000" b="90000" l="10000" r="90000"/>
                     </a14:imgEffect>
@@ -8360,11 +9872,11 @@
           <p:nvPr/>
         </p:nvPicPr>
         <p:blipFill>
-          <a:blip r:embed="rId6">
+          <a:blip r:embed="rId7">
             <a:extLst>
               <a:ext uri="{BEBA8EAE-BF5A-486C-A8C5-ECC9F3942E4B}">
                 <a14:imgProps xmlns:a14="http://schemas.microsoft.com/office/drawing/2010/main">
-                  <a14:imgLayer r:embed="rId5">
+                  <a14:imgLayer r:embed="rId6">
                     <a14:imgEffect>
                       <a14:backgroundRemoval t="10000" b="90000" l="10000" r="90000"/>
                     </a14:imgEffect>
@@ -8464,7 +9976,7 @@
           <p:nvPr/>
         </p:nvPicPr>
         <p:blipFill>
-          <a:blip r:embed="rId2"/>
+          <a:blip r:embed="rId3"/>
           <a:stretch>
             <a:fillRect/>
           </a:stretch>
@@ -8610,7 +10122,7 @@
           <p:nvPr/>
         </p:nvPicPr>
         <p:blipFill>
-          <a:blip r:embed="rId2"/>
+          <a:blip r:embed="rId3"/>
           <a:stretch>
             <a:fillRect/>
           </a:stretch>
@@ -8755,7 +10267,7 @@
           <p:nvPr/>
         </p:nvPicPr>
         <p:blipFill>
-          <a:blip r:embed="rId2"/>
+          <a:blip r:embed="rId3"/>
           <a:stretch>
             <a:fillRect/>
           </a:stretch>
@@ -8895,7 +10407,7 @@
           <p:nvPr/>
         </p:nvPicPr>
         <p:blipFill>
-          <a:blip r:embed="rId2"/>
+          <a:blip r:embed="rId3"/>
           <a:stretch>
             <a:fillRect/>
           </a:stretch>
@@ -9071,7 +10583,7 @@
         </p:nvSpPr>
         <p:spPr>
           <a:xfrm rot="10523994">
-            <a:off x="8910252" y="3101699"/>
+            <a:off x="8921827" y="2939654"/>
             <a:ext cx="2328287" cy="950679"/>
           </a:xfrm>
           <a:prstGeom prst="rightArrow">
